--- a/Final_Presentation_update.pptx
+++ b/Final_Presentation_update.pptx
@@ -11,15 +11,15 @@
     <p:sldId id="282" r:id="rId5"/>
     <p:sldId id="288" r:id="rId6"/>
     <p:sldId id="301" r:id="rId7"/>
-    <p:sldId id="289" r:id="rId8"/>
-    <p:sldId id="290" r:id="rId9"/>
-    <p:sldId id="291" r:id="rId10"/>
-    <p:sldId id="292" r:id="rId11"/>
-    <p:sldId id="293" r:id="rId12"/>
-    <p:sldId id="294" r:id="rId13"/>
-    <p:sldId id="295" r:id="rId14"/>
-    <p:sldId id="296" r:id="rId15"/>
-    <p:sldId id="297" r:id="rId16"/>
+    <p:sldId id="291" r:id="rId8"/>
+    <p:sldId id="292" r:id="rId9"/>
+    <p:sldId id="289" r:id="rId10"/>
+    <p:sldId id="290" r:id="rId11"/>
+    <p:sldId id="297" r:id="rId12"/>
+    <p:sldId id="293" r:id="rId13"/>
+    <p:sldId id="294" r:id="rId14"/>
+    <p:sldId id="295" r:id="rId15"/>
+    <p:sldId id="296" r:id="rId16"/>
     <p:sldId id="299" r:id="rId17"/>
     <p:sldId id="298" r:id="rId18"/>
     <p:sldId id="300" r:id="rId19"/>
@@ -129,12 +129,184 @@
 </p:presentation>
 </file>
 
-<file path=ppt/revisionInfo.xml><?xml version="1.0" encoding="utf-8"?>
-<p1510:revInfo xmlns:a="http://schemas.openxmlformats.org/drawingml/2006/main" xmlns:r="http://schemas.openxmlformats.org/officeDocument/2006/relationships" xmlns:p1510="http://schemas.microsoft.com/office/powerpoint/2015/10/main">
-  <p1510:revLst>
-    <p1510:client id="{27AE25EB-DAAB-41C1-B591-31E18D1E56C1}" v="3" dt="2023-04-30T14:37:55.759"/>
-  </p1510:revLst>
-</p1510:revInfo>
+<file path=ppt/changesInfos/changesInfo1.xml><?xml version="1.0" encoding="utf-8"?>
+<pc:chgInfo xmlns:a="http://schemas.openxmlformats.org/drawingml/2006/main" xmlns:r="http://schemas.openxmlformats.org/officeDocument/2006/relationships" xmlns:ac="http://schemas.microsoft.com/office/drawing/2013/main/command" xmlns:pc="http://schemas.microsoft.com/office/powerpoint/2013/main/command">
+  <pc:docChgLst>
+    <pc:chgData name="Alder  Joel" userId="cb060085-3866-4497-bda6-e6b2f137edc7" providerId="ADAL" clId="{13E53D63-0F38-4FAD-B135-90ED9172AE44}"/>
+    <pc:docChg chg="custSel modSld sldOrd">
+      <pc:chgData name="Alder  Joel" userId="cb060085-3866-4497-bda6-e6b2f137edc7" providerId="ADAL" clId="{13E53D63-0F38-4FAD-B135-90ED9172AE44}" dt="2023-05-02T15:54:24.550" v="635" actId="20577"/>
+      <pc:docMkLst>
+        <pc:docMk/>
+      </pc:docMkLst>
+      <pc:sldChg chg="modSp mod">
+        <pc:chgData name="Alder  Joel" userId="cb060085-3866-4497-bda6-e6b2f137edc7" providerId="ADAL" clId="{13E53D63-0F38-4FAD-B135-90ED9172AE44}" dt="2023-05-02T15:36:56.830" v="601" actId="1076"/>
+        <pc:sldMkLst>
+          <pc:docMk/>
+          <pc:sldMk cId="1921949153" sldId="288"/>
+        </pc:sldMkLst>
+        <pc:spChg chg="mod">
+          <ac:chgData name="Alder  Joel" userId="cb060085-3866-4497-bda6-e6b2f137edc7" providerId="ADAL" clId="{13E53D63-0F38-4FAD-B135-90ED9172AE44}" dt="2023-05-02T15:36:51.757" v="599" actId="20577"/>
+          <ac:spMkLst>
+            <pc:docMk/>
+            <pc:sldMk cId="1921949153" sldId="288"/>
+            <ac:spMk id="3" creationId="{3DAB1A88-9B7F-3F36-6805-FA1D5DB598EF}"/>
+          </ac:spMkLst>
+        </pc:spChg>
+        <pc:picChg chg="mod">
+          <ac:chgData name="Alder  Joel" userId="cb060085-3866-4497-bda6-e6b2f137edc7" providerId="ADAL" clId="{13E53D63-0F38-4FAD-B135-90ED9172AE44}" dt="2023-05-02T15:36:56.830" v="601" actId="1076"/>
+          <ac:picMkLst>
+            <pc:docMk/>
+            <pc:sldMk cId="1921949153" sldId="288"/>
+            <ac:picMk id="9" creationId="{E53F0E20-D6FB-4D68-C2AD-BABF1719F5A1}"/>
+          </ac:picMkLst>
+        </pc:picChg>
+      </pc:sldChg>
+      <pc:sldChg chg="addSp modSp mod setBg">
+        <pc:chgData name="Alder  Joel" userId="cb060085-3866-4497-bda6-e6b2f137edc7" providerId="ADAL" clId="{13E53D63-0F38-4FAD-B135-90ED9172AE44}" dt="2023-05-02T15:50:05.407" v="603" actId="20577"/>
+        <pc:sldMkLst>
+          <pc:docMk/>
+          <pc:sldMk cId="1755144267" sldId="289"/>
+        </pc:sldMkLst>
+        <pc:spChg chg="mod">
+          <ac:chgData name="Alder  Joel" userId="cb060085-3866-4497-bda6-e6b2f137edc7" providerId="ADAL" clId="{13E53D63-0F38-4FAD-B135-90ED9172AE44}" dt="2023-05-02T15:50:05.407" v="603" actId="20577"/>
+          <ac:spMkLst>
+            <pc:docMk/>
+            <pc:sldMk cId="1755144267" sldId="289"/>
+            <ac:spMk id="2" creationId="{7349352D-F8F1-A046-2A25-F31A36857ACF}"/>
+          </ac:spMkLst>
+        </pc:spChg>
+        <pc:spChg chg="mod">
+          <ac:chgData name="Alder  Joel" userId="cb060085-3866-4497-bda6-e6b2f137edc7" providerId="ADAL" clId="{13E53D63-0F38-4FAD-B135-90ED9172AE44}" dt="2023-05-02T14:13:52.421" v="494" actId="26606"/>
+          <ac:spMkLst>
+            <pc:docMk/>
+            <pc:sldMk cId="1755144267" sldId="289"/>
+            <ac:spMk id="3" creationId="{4BFD9015-ADC7-4B99-62DF-CA0F2B77E4CD}"/>
+          </ac:spMkLst>
+        </pc:spChg>
+        <pc:picChg chg="add mod">
+          <ac:chgData name="Alder  Joel" userId="cb060085-3866-4497-bda6-e6b2f137edc7" providerId="ADAL" clId="{13E53D63-0F38-4FAD-B135-90ED9172AE44}" dt="2023-05-02T14:13:52.421" v="494" actId="26606"/>
+          <ac:picMkLst>
+            <pc:docMk/>
+            <pc:sldMk cId="1755144267" sldId="289"/>
+            <ac:picMk id="5" creationId="{3130FF07-8FAF-F584-D6B2-0BCE17626083}"/>
+          </ac:picMkLst>
+        </pc:picChg>
+      </pc:sldChg>
+      <pc:sldChg chg="addSp modSp mod ord">
+        <pc:chgData name="Alder  Joel" userId="cb060085-3866-4497-bda6-e6b2f137edc7" providerId="ADAL" clId="{13E53D63-0F38-4FAD-B135-90ED9172AE44}" dt="2023-05-02T14:14:36.715" v="499" actId="1076"/>
+        <pc:sldMkLst>
+          <pc:docMk/>
+          <pc:sldMk cId="1849919930" sldId="291"/>
+        </pc:sldMkLst>
+        <pc:spChg chg="mod">
+          <ac:chgData name="Alder  Joel" userId="cb060085-3866-4497-bda6-e6b2f137edc7" providerId="ADAL" clId="{13E53D63-0F38-4FAD-B135-90ED9172AE44}" dt="2023-05-02T13:58:54.186" v="487" actId="20577"/>
+          <ac:spMkLst>
+            <pc:docMk/>
+            <pc:sldMk cId="1849919930" sldId="291"/>
+            <ac:spMk id="2" creationId="{B0B13E2D-F565-3ED2-6F08-3913E60A7023}"/>
+          </ac:spMkLst>
+        </pc:spChg>
+        <pc:picChg chg="add mod">
+          <ac:chgData name="Alder  Joel" userId="cb060085-3866-4497-bda6-e6b2f137edc7" providerId="ADAL" clId="{13E53D63-0F38-4FAD-B135-90ED9172AE44}" dt="2023-05-02T14:14:36.715" v="499" actId="1076"/>
+          <ac:picMkLst>
+            <pc:docMk/>
+            <pc:sldMk cId="1849919930" sldId="291"/>
+            <ac:picMk id="5" creationId="{9956E214-A44C-C373-AE7D-AB62ABE93D45}"/>
+          </ac:picMkLst>
+        </pc:picChg>
+      </pc:sldChg>
+      <pc:sldChg chg="ord">
+        <pc:chgData name="Alder  Joel" userId="cb060085-3866-4497-bda6-e6b2f137edc7" providerId="ADAL" clId="{13E53D63-0F38-4FAD-B135-90ED9172AE44}" dt="2023-05-02T13:58:59.156" v="491"/>
+        <pc:sldMkLst>
+          <pc:docMk/>
+          <pc:sldMk cId="1696039842" sldId="292"/>
+        </pc:sldMkLst>
+      </pc:sldChg>
+      <pc:sldChg chg="modSp mod">
+        <pc:chgData name="Alder  Joel" userId="cb060085-3866-4497-bda6-e6b2f137edc7" providerId="ADAL" clId="{13E53D63-0F38-4FAD-B135-90ED9172AE44}" dt="2023-05-02T15:54:05.726" v="619" actId="20577"/>
+        <pc:sldMkLst>
+          <pc:docMk/>
+          <pc:sldMk cId="3965517348" sldId="293"/>
+        </pc:sldMkLst>
+        <pc:spChg chg="mod">
+          <ac:chgData name="Alder  Joel" userId="cb060085-3866-4497-bda6-e6b2f137edc7" providerId="ADAL" clId="{13E53D63-0F38-4FAD-B135-90ED9172AE44}" dt="2023-05-02T15:54:05.726" v="619" actId="20577"/>
+          <ac:spMkLst>
+            <pc:docMk/>
+            <pc:sldMk cId="3965517348" sldId="293"/>
+            <ac:spMk id="2" creationId="{BCA0CF76-FEAF-1809-6A73-F11BA8284113}"/>
+          </ac:spMkLst>
+        </pc:spChg>
+      </pc:sldChg>
+      <pc:sldChg chg="modSp mod">
+        <pc:chgData name="Alder  Joel" userId="cb060085-3866-4497-bda6-e6b2f137edc7" providerId="ADAL" clId="{13E53D63-0F38-4FAD-B135-90ED9172AE44}" dt="2023-05-02T13:44:30.877" v="18" actId="20577"/>
+        <pc:sldMkLst>
+          <pc:docMk/>
+          <pc:sldMk cId="1165839831" sldId="294"/>
+        </pc:sldMkLst>
+        <pc:spChg chg="mod">
+          <ac:chgData name="Alder  Joel" userId="cb060085-3866-4497-bda6-e6b2f137edc7" providerId="ADAL" clId="{13E53D63-0F38-4FAD-B135-90ED9172AE44}" dt="2023-05-02T13:44:30.877" v="18" actId="20577"/>
+          <ac:spMkLst>
+            <pc:docMk/>
+            <pc:sldMk cId="1165839831" sldId="294"/>
+            <ac:spMk id="2" creationId="{2AE40E22-5439-1759-ABB1-F0322FAABB7F}"/>
+          </ac:spMkLst>
+        </pc:spChg>
+      </pc:sldChg>
+      <pc:sldChg chg="ord">
+        <pc:chgData name="Alder  Joel" userId="cb060085-3866-4497-bda6-e6b2f137edc7" providerId="ADAL" clId="{13E53D63-0F38-4FAD-B135-90ED9172AE44}" dt="2023-05-02T13:47:12.008" v="20"/>
+        <pc:sldMkLst>
+          <pc:docMk/>
+          <pc:sldMk cId="2176049906" sldId="297"/>
+        </pc:sldMkLst>
+      </pc:sldChg>
+      <pc:sldChg chg="modSp mod">
+        <pc:chgData name="Alder  Joel" userId="cb060085-3866-4497-bda6-e6b2f137edc7" providerId="ADAL" clId="{13E53D63-0F38-4FAD-B135-90ED9172AE44}" dt="2023-05-02T13:53:45.951" v="429" actId="20577"/>
+        <pc:sldMkLst>
+          <pc:docMk/>
+          <pc:sldMk cId="4030831142" sldId="298"/>
+        </pc:sldMkLst>
+        <pc:spChg chg="mod">
+          <ac:chgData name="Alder  Joel" userId="cb060085-3866-4497-bda6-e6b2f137edc7" providerId="ADAL" clId="{13E53D63-0F38-4FAD-B135-90ED9172AE44}" dt="2023-05-02T13:53:45.951" v="429" actId="20577"/>
+          <ac:spMkLst>
+            <pc:docMk/>
+            <pc:sldMk cId="4030831142" sldId="298"/>
+            <ac:spMk id="3" creationId="{DAE425F9-51E9-725B-317C-82933A00B8B3}"/>
+          </ac:spMkLst>
+        </pc:spChg>
+      </pc:sldChg>
+      <pc:sldChg chg="modSp mod">
+        <pc:chgData name="Alder  Joel" userId="cb060085-3866-4497-bda6-e6b2f137edc7" providerId="ADAL" clId="{13E53D63-0F38-4FAD-B135-90ED9172AE44}" dt="2023-05-02T13:51:40.863" v="364" actId="20577"/>
+        <pc:sldMkLst>
+          <pc:docMk/>
+          <pc:sldMk cId="2879572148" sldId="299"/>
+        </pc:sldMkLst>
+        <pc:spChg chg="mod">
+          <ac:chgData name="Alder  Joel" userId="cb060085-3866-4497-bda6-e6b2f137edc7" providerId="ADAL" clId="{13E53D63-0F38-4FAD-B135-90ED9172AE44}" dt="2023-05-02T13:51:40.863" v="364" actId="20577"/>
+          <ac:spMkLst>
+            <pc:docMk/>
+            <pc:sldMk cId="2879572148" sldId="299"/>
+            <ac:spMk id="3" creationId="{4F41A8CB-BF38-057F-379B-0E02373B032A}"/>
+          </ac:spMkLst>
+        </pc:spChg>
+      </pc:sldChg>
+      <pc:sldChg chg="modSp mod">
+        <pc:chgData name="Alder  Joel" userId="cb060085-3866-4497-bda6-e6b2f137edc7" providerId="ADAL" clId="{13E53D63-0F38-4FAD-B135-90ED9172AE44}" dt="2023-05-02T15:54:24.550" v="635" actId="20577"/>
+        <pc:sldMkLst>
+          <pc:docMk/>
+          <pc:sldMk cId="2817632098" sldId="300"/>
+        </pc:sldMkLst>
+        <pc:spChg chg="mod">
+          <ac:chgData name="Alder  Joel" userId="cb060085-3866-4497-bda6-e6b2f137edc7" providerId="ADAL" clId="{13E53D63-0F38-4FAD-B135-90ED9172AE44}" dt="2023-05-02T15:54:24.550" v="635" actId="20577"/>
+          <ac:spMkLst>
+            <pc:docMk/>
+            <pc:sldMk cId="2817632098" sldId="300"/>
+            <ac:spMk id="3" creationId="{7DE7A460-130F-5EF6-827D-971D0C4DE9B5}"/>
+          </ac:spMkLst>
+        </pc:spChg>
+      </pc:sldChg>
+    </pc:docChg>
+  </pc:docChgLst>
+</pc:chgInfo>
 </file>
 
 <file path=ppt/slideLayouts/slideLayout1.xml><?xml version="1.0" encoding="utf-8"?>
@@ -382,7 +554,7 @@
           <a:p>
             <a:fld id="{FBE6AABC-6402-4A71-8CBE-EAAFF3FD580E}" type="datetimeFigureOut">
               <a:rPr lang="de-CH" smtClean="0"/>
-              <a:t>01.05.2023</a:t>
+              <a:t>02.05.2023</a:t>
             </a:fld>
             <a:endParaRPr lang="de-CH"/>
           </a:p>
@@ -644,7 +816,7 @@
           <a:p>
             <a:fld id="{FBE6AABC-6402-4A71-8CBE-EAAFF3FD580E}" type="datetimeFigureOut">
               <a:rPr lang="de-CH" smtClean="0"/>
-              <a:t>01.05.2023</a:t>
+              <a:t>02.05.2023</a:t>
             </a:fld>
             <a:endParaRPr lang="de-CH"/>
           </a:p>
@@ -879,7 +1051,7 @@
           <a:p>
             <a:fld id="{FBE6AABC-6402-4A71-8CBE-EAAFF3FD580E}" type="datetimeFigureOut">
               <a:rPr lang="de-CH" smtClean="0"/>
-              <a:t>01.05.2023</a:t>
+              <a:t>02.05.2023</a:t>
             </a:fld>
             <a:endParaRPr lang="de-CH"/>
           </a:p>
@@ -1119,7 +1291,7 @@
           <a:p>
             <a:fld id="{FBE6AABC-6402-4A71-8CBE-EAAFF3FD580E}" type="datetimeFigureOut">
               <a:rPr lang="de-CH" smtClean="0"/>
-              <a:t>01.05.2023</a:t>
+              <a:t>02.05.2023</a:t>
             </a:fld>
             <a:endParaRPr lang="de-CH"/>
           </a:p>
@@ -1426,7 +1598,7 @@
           <a:p>
             <a:fld id="{FBE6AABC-6402-4A71-8CBE-EAAFF3FD580E}" type="datetimeFigureOut">
               <a:rPr lang="de-CH" smtClean="0"/>
-              <a:t>01.05.2023</a:t>
+              <a:t>02.05.2023</a:t>
             </a:fld>
             <a:endParaRPr lang="de-CH"/>
           </a:p>
@@ -1728,7 +1900,7 @@
           <a:p>
             <a:fld id="{FBE6AABC-6402-4A71-8CBE-EAAFF3FD580E}" type="datetimeFigureOut">
               <a:rPr lang="de-CH" smtClean="0"/>
-              <a:t>01.05.2023</a:t>
+              <a:t>02.05.2023</a:t>
             </a:fld>
             <a:endParaRPr lang="de-CH"/>
           </a:p>
@@ -2150,7 +2322,7 @@
           <a:p>
             <a:fld id="{FBE6AABC-6402-4A71-8CBE-EAAFF3FD580E}" type="datetimeFigureOut">
               <a:rPr lang="de-CH" smtClean="0"/>
-              <a:t>01.05.2023</a:t>
+              <a:t>02.05.2023</a:t>
             </a:fld>
             <a:endParaRPr lang="de-CH"/>
           </a:p>
@@ -2312,7 +2484,7 @@
           <a:p>
             <a:fld id="{FBE6AABC-6402-4A71-8CBE-EAAFF3FD580E}" type="datetimeFigureOut">
               <a:rPr lang="de-CH" smtClean="0"/>
-              <a:t>01.05.2023</a:t>
+              <a:t>02.05.2023</a:t>
             </a:fld>
             <a:endParaRPr lang="de-CH"/>
           </a:p>
@@ -2407,7 +2579,7 @@
           <a:p>
             <a:fld id="{FBE6AABC-6402-4A71-8CBE-EAAFF3FD580E}" type="datetimeFigureOut">
               <a:rPr lang="de-CH" smtClean="0"/>
-              <a:t>01.05.2023</a:t>
+              <a:t>02.05.2023</a:t>
             </a:fld>
             <a:endParaRPr lang="de-CH"/>
           </a:p>
@@ -2785,7 +2957,7 @@
           <a:p>
             <a:fld id="{FBE6AABC-6402-4A71-8CBE-EAAFF3FD580E}" type="datetimeFigureOut">
               <a:rPr lang="de-CH" smtClean="0"/>
-              <a:t>01.05.2023</a:t>
+              <a:t>02.05.2023</a:t>
             </a:fld>
             <a:endParaRPr lang="de-CH"/>
           </a:p>
@@ -3074,7 +3246,7 @@
           <a:p>
             <a:fld id="{FBE6AABC-6402-4A71-8CBE-EAAFF3FD580E}" type="datetimeFigureOut">
               <a:rPr lang="de-CH" smtClean="0"/>
-              <a:t>01.05.2023</a:t>
+              <a:t>02.05.2023</a:t>
             </a:fld>
             <a:endParaRPr lang="de-CH"/>
           </a:p>
@@ -3285,7 +3457,7 @@
           <a:p>
             <a:fld id="{FBE6AABC-6402-4A71-8CBE-EAAFF3FD580E}" type="datetimeFigureOut">
               <a:rPr lang="de-CH" smtClean="0"/>
-              <a:t>01.05.2023</a:t>
+              <a:t>02.05.2023</a:t>
             </a:fld>
             <a:endParaRPr lang="de-CH"/>
           </a:p>
@@ -4297,36 +4469,28 @@
       </p:sp>
       <p:pic>
         <p:nvPicPr>
-          <p:cNvPr id="5" name="Inhaltsplatzhalter 4" descr="Ein Bild, das Diagramm, Tisch enthält.&#10;&#10;Automatisch generierte Beschreibung">
+          <p:cNvPr id="5" name="Grafik 4">
             <a:extLst>
               <a:ext uri="{FF2B5EF4-FFF2-40B4-BE49-F238E27FC236}">
-                <a16:creationId xmlns:a16="http://schemas.microsoft.com/office/drawing/2014/main" id="{59A52622-84CE-18F5-CE17-874FF14B29E8}"/>
+                <a16:creationId xmlns:a16="http://schemas.microsoft.com/office/drawing/2014/main" id="{FEA9B298-10FF-5375-3B3D-609815F93C0C}"/>
               </a:ext>
             </a:extLst>
           </p:cNvPr>
           <p:cNvPicPr>
-            <a:picLocks noGrp="1" noChangeAspect="1"/>
+            <a:picLocks noChangeAspect="1"/>
           </p:cNvPicPr>
-          <p:nvPr>
-            <p:ph idx="1"/>
-          </p:nvPr>
+          <p:nvPr/>
         </p:nvPicPr>
         <p:blipFill>
-          <a:blip r:embed="rId2">
-            <a:extLst>
-              <a:ext uri="{28A0092B-C50C-407E-A947-70E740481C1C}">
-                <a14:useLocalDpi xmlns:a14="http://schemas.microsoft.com/office/drawing/2010/main" val="0"/>
-              </a:ext>
-            </a:extLst>
-          </a:blip>
+          <a:blip r:embed="rId2"/>
           <a:stretch>
             <a:fillRect/>
           </a:stretch>
         </p:blipFill>
         <p:spPr>
           <a:xfrm>
-            <a:off x="771440" y="1437325"/>
-            <a:ext cx="6834511" cy="4251066"/>
+            <a:off x="771440" y="1307469"/>
+            <a:ext cx="6834511" cy="4510777"/>
           </a:xfrm>
           <a:prstGeom prst="rect">
             <a:avLst/>
@@ -4392,7 +4556,7 @@
           <p:cNvPr id="2" name="Titel 1">
             <a:extLst>
               <a:ext uri="{FF2B5EF4-FFF2-40B4-BE49-F238E27FC236}">
-                <a16:creationId xmlns:a16="http://schemas.microsoft.com/office/drawing/2014/main" id="{ED4AAAB0-378A-F6BB-2C3D-C1D0BDFB4A49}"/>
+                <a16:creationId xmlns:a16="http://schemas.microsoft.com/office/drawing/2014/main" id="{8E460B05-9229-0594-D342-638E3BF2D471}"/>
               </a:ext>
             </a:extLst>
           </p:cNvPr>
@@ -4416,72 +4580,20 @@
           <a:lstStyle/>
           <a:p>
             <a:r>
-              <a:rPr lang="en-US" sz="3600">
+              <a:rPr lang="en-US" sz="3600" dirty="0">
                 <a:solidFill>
                   <a:srgbClr val="FFFFFF"/>
                 </a:solidFill>
               </a:rPr>
-              <a:t>Importance of Variables</a:t>
-            </a:r>
-          </a:p>
-        </p:txBody>
-      </p:sp>
-      <p:sp>
-        <p:nvSpPr>
-          <p:cNvPr id="3" name="Rechteck 2">
-            <a:extLst>
-              <a:ext uri="{FF2B5EF4-FFF2-40B4-BE49-F238E27FC236}">
-                <a16:creationId xmlns:a16="http://schemas.microsoft.com/office/drawing/2014/main" id="{50F44799-5938-B48D-48F8-F07BD13745D1}"/>
-              </a:ext>
-            </a:extLst>
-          </p:cNvPr>
-          <p:cNvSpPr/>
-          <p:nvPr/>
-        </p:nvSpPr>
-        <p:spPr>
-          <a:xfrm>
-            <a:off x="446533" y="2383590"/>
-            <a:ext cx="7377714" cy="612639"/>
-          </a:xfrm>
-          <a:prstGeom prst="rect">
-            <a:avLst/>
-          </a:prstGeom>
-          <a:noFill/>
-          <a:ln>
-            <a:solidFill>
-              <a:srgbClr val="FF0000"/>
-            </a:solidFill>
-          </a:ln>
-        </p:spPr>
-        <p:style>
-          <a:lnRef idx="2">
-            <a:schemeClr val="accent1">
-              <a:shade val="50000"/>
-            </a:schemeClr>
-          </a:lnRef>
-          <a:fillRef idx="1">
-            <a:schemeClr val="accent1"/>
-          </a:fillRef>
-          <a:effectRef idx="0">
-            <a:schemeClr val="accent1"/>
-          </a:effectRef>
-          <a:fontRef idx="minor">
-            <a:schemeClr val="lt1"/>
-          </a:fontRef>
-        </p:style>
-        <p:txBody>
-          <a:bodyPr rtlCol="0" anchor="ctr"/>
-          <a:lstStyle/>
-          <a:p>
-            <a:pPr algn="ctr"/>
-            <a:endParaRPr lang="de-CH"/>
+              <a:t>Tree</a:t>
+            </a:r>
           </a:p>
         </p:txBody>
       </p:sp>
     </p:spTree>
     <p:extLst>
       <p:ext uri="{BB962C8B-B14F-4D97-AF65-F5344CB8AC3E}">
-        <p14:creationId xmlns:p14="http://schemas.microsoft.com/office/powerpoint/2010/main" val="1696039842"/>
+        <p14:creationId xmlns:p14="http://schemas.microsoft.com/office/powerpoint/2010/main" val="3054612757"/>
       </p:ext>
     </p:extLst>
   </p:cSld>
@@ -4513,7 +4625,7 @@
           <p:cNvPr id="2" name="Titel 1">
             <a:extLst>
               <a:ext uri="{FF2B5EF4-FFF2-40B4-BE49-F238E27FC236}">
-                <a16:creationId xmlns:a16="http://schemas.microsoft.com/office/drawing/2014/main" id="{BCA0CF76-FEAF-1809-6A73-F11BA8284113}"/>
+                <a16:creationId xmlns:a16="http://schemas.microsoft.com/office/drawing/2014/main" id="{311ADC71-19AF-96D9-9992-99D2FE12160D}"/>
               </a:ext>
             </a:extLst>
           </p:cNvPr>
@@ -4530,8 +4642,111 @@
           <a:lstStyle/>
           <a:p>
             <a:r>
-              <a:rPr lang="de-CH" dirty="0"/>
-              <a:t>Model III: Logit Model</a:t>
+              <a:rPr lang="de-CH" dirty="0" err="1"/>
+              <a:t>Stats</a:t>
+            </a:r>
+            <a:r>
+              <a:rPr lang="de-CH" dirty="0"/>
+              <a:t> Method: MICE</a:t>
+            </a:r>
+          </a:p>
+        </p:txBody>
+      </p:sp>
+      <p:sp>
+        <p:nvSpPr>
+          <p:cNvPr id="3" name="Inhaltsplatzhalter 2">
+            <a:extLst>
+              <a:ext uri="{FF2B5EF4-FFF2-40B4-BE49-F238E27FC236}">
+                <a16:creationId xmlns:a16="http://schemas.microsoft.com/office/drawing/2014/main" id="{8C99F458-6857-0EE1-4EAF-56E6C03C2D69}"/>
+              </a:ext>
+            </a:extLst>
+          </p:cNvPr>
+          <p:cNvSpPr>
+            <a:spLocks noGrp="1"/>
+          </p:cNvSpPr>
+          <p:nvPr>
+            <p:ph idx="1"/>
+          </p:nvPr>
+        </p:nvSpPr>
+        <p:spPr/>
+        <p:txBody>
+          <a:bodyPr/>
+          <a:lstStyle/>
+          <a:p>
+            <a:endParaRPr lang="de-CH"/>
+          </a:p>
+        </p:txBody>
+      </p:sp>
+    </p:spTree>
+    <p:extLst>
+      <p:ext uri="{BB962C8B-B14F-4D97-AF65-F5344CB8AC3E}">
+        <p14:creationId xmlns:p14="http://schemas.microsoft.com/office/powerpoint/2010/main" val="2176049906"/>
+      </p:ext>
+    </p:extLst>
+  </p:cSld>
+  <p:clrMapOvr>
+    <a:masterClrMapping/>
+  </p:clrMapOvr>
+</p:sld>
+</file>
+
+<file path=ppt/slides/slide12.xml><?xml version="1.0" encoding="utf-8"?>
+<p:sld xmlns:a="http://schemas.openxmlformats.org/drawingml/2006/main" xmlns:r="http://schemas.openxmlformats.org/officeDocument/2006/relationships" xmlns:p="http://schemas.openxmlformats.org/presentationml/2006/main">
+  <p:cSld>
+    <p:spTree>
+      <p:nvGrpSpPr>
+        <p:cNvPr id="1" name=""/>
+        <p:cNvGrpSpPr/>
+        <p:nvPr/>
+      </p:nvGrpSpPr>
+      <p:grpSpPr>
+        <a:xfrm>
+          <a:off x="0" y="0"/>
+          <a:ext cx="0" cy="0"/>
+          <a:chOff x="0" y="0"/>
+          <a:chExt cx="0" cy="0"/>
+        </a:xfrm>
+      </p:grpSpPr>
+      <p:sp>
+        <p:nvSpPr>
+          <p:cNvPr id="2" name="Titel 1">
+            <a:extLst>
+              <a:ext uri="{FF2B5EF4-FFF2-40B4-BE49-F238E27FC236}">
+                <a16:creationId xmlns:a16="http://schemas.microsoft.com/office/drawing/2014/main" id="{BCA0CF76-FEAF-1809-6A73-F11BA8284113}"/>
+              </a:ext>
+            </a:extLst>
+          </p:cNvPr>
+          <p:cNvSpPr>
+            <a:spLocks noGrp="1"/>
+          </p:cNvSpPr>
+          <p:nvPr>
+            <p:ph type="title"/>
+          </p:nvPr>
+        </p:nvSpPr>
+        <p:spPr/>
+        <p:txBody>
+          <a:bodyPr/>
+          <a:lstStyle/>
+          <a:p>
+            <a:r>
+              <a:rPr lang="de-CH" dirty="0"/>
+              <a:t>Model III: </a:t>
+            </a:r>
+            <a:r>
+              <a:rPr lang="de-CH" dirty="0" err="1"/>
+              <a:t>Logistic</a:t>
+            </a:r>
+            <a:r>
+              <a:rPr lang="de-CH" dirty="0"/>
+              <a:t> </a:t>
+            </a:r>
+            <a:r>
+              <a:rPr lang="de-CH" dirty="0" err="1"/>
+              <a:t>regression</a:t>
+            </a:r>
+            <a:r>
+              <a:rPr lang="de-CH" dirty="0"/>
+              <a:t> Model</a:t>
             </a:r>
           </a:p>
         </p:txBody>
@@ -4896,7 +5111,7 @@
 </p:sld>
 </file>
 
-<file path=ppt/slides/slide12.xml><?xml version="1.0" encoding="utf-8"?>
+<file path=ppt/slides/slide13.xml><?xml version="1.0" encoding="utf-8"?>
 <p:sld xmlns:a="http://schemas.openxmlformats.org/drawingml/2006/main" xmlns:r="http://schemas.openxmlformats.org/officeDocument/2006/relationships" xmlns:p="http://schemas.openxmlformats.org/presentationml/2006/main">
   <p:cSld>
     <p:bg>
@@ -5313,7 +5528,7 @@
         </p:spPr>
         <p:txBody>
           <a:bodyPr vert="horz" lIns="91440" tIns="45720" rIns="91440" bIns="45720" rtlCol="0" anchor="b">
-            <a:normAutofit/>
+            <a:normAutofit fontScale="90000"/>
           </a:bodyPr>
           <a:lstStyle/>
           <a:p>
@@ -5332,6 +5547,21 @@
                 </a:solidFill>
               </a:rPr>
               <a:t> of imputed data</a:t>
+            </a:r>
+            <a:br>
+              <a:rPr lang="en-US" sz="3600" dirty="0">
+                <a:solidFill>
+                  <a:srgbClr val="FFFFFF"/>
+                </a:solidFill>
+              </a:rPr>
+            </a:br>
+            <a:r>
+              <a:rPr lang="en-US" sz="3600" dirty="0">
+                <a:solidFill>
+                  <a:srgbClr val="FFFFFF"/>
+                </a:solidFill>
+              </a:rPr>
+              <a:t>(m = 5)</a:t>
             </a:r>
           </a:p>
         </p:txBody>
@@ -5349,7 +5579,7 @@
 </p:sld>
 </file>
 
-<file path=ppt/slides/slide13.xml><?xml version="1.0" encoding="utf-8"?>
+<file path=ppt/slides/slide14.xml><?xml version="1.0" encoding="utf-8"?>
 <p:sld xmlns:a="http://schemas.openxmlformats.org/drawingml/2006/main" xmlns:r="http://schemas.openxmlformats.org/officeDocument/2006/relationships" xmlns:p="http://schemas.openxmlformats.org/presentationml/2006/main">
   <p:cSld>
     <p:bg>
@@ -5849,7 +6079,7 @@
 </p:sld>
 </file>
 
-<file path=ppt/slides/slide14.xml><?xml version="1.0" encoding="utf-8"?>
+<file path=ppt/slides/slide15.xml><?xml version="1.0" encoding="utf-8"?>
 <p:sld xmlns:a="http://schemas.openxmlformats.org/drawingml/2006/main" xmlns:r="http://schemas.openxmlformats.org/officeDocument/2006/relationships" xmlns:p="http://schemas.openxmlformats.org/presentationml/2006/main">
   <p:cSld>
     <p:bg>
@@ -6279,93 +6509,6 @@
     <p:extLst>
       <p:ext uri="{BB962C8B-B14F-4D97-AF65-F5344CB8AC3E}">
         <p14:creationId xmlns:p14="http://schemas.microsoft.com/office/powerpoint/2010/main" val="1157652443"/>
-      </p:ext>
-    </p:extLst>
-  </p:cSld>
-  <p:clrMapOvr>
-    <a:masterClrMapping/>
-  </p:clrMapOvr>
-</p:sld>
-</file>
-
-<file path=ppt/slides/slide15.xml><?xml version="1.0" encoding="utf-8"?>
-<p:sld xmlns:a="http://schemas.openxmlformats.org/drawingml/2006/main" xmlns:r="http://schemas.openxmlformats.org/officeDocument/2006/relationships" xmlns:p="http://schemas.openxmlformats.org/presentationml/2006/main">
-  <p:cSld>
-    <p:spTree>
-      <p:nvGrpSpPr>
-        <p:cNvPr id="1" name=""/>
-        <p:cNvGrpSpPr/>
-        <p:nvPr/>
-      </p:nvGrpSpPr>
-      <p:grpSpPr>
-        <a:xfrm>
-          <a:off x="0" y="0"/>
-          <a:ext cx="0" cy="0"/>
-          <a:chOff x="0" y="0"/>
-          <a:chExt cx="0" cy="0"/>
-        </a:xfrm>
-      </p:grpSpPr>
-      <p:sp>
-        <p:nvSpPr>
-          <p:cNvPr id="2" name="Titel 1">
-            <a:extLst>
-              <a:ext uri="{FF2B5EF4-FFF2-40B4-BE49-F238E27FC236}">
-                <a16:creationId xmlns:a16="http://schemas.microsoft.com/office/drawing/2014/main" id="{311ADC71-19AF-96D9-9992-99D2FE12160D}"/>
-              </a:ext>
-            </a:extLst>
-          </p:cNvPr>
-          <p:cNvSpPr>
-            <a:spLocks noGrp="1"/>
-          </p:cNvSpPr>
-          <p:nvPr>
-            <p:ph type="title"/>
-          </p:nvPr>
-        </p:nvSpPr>
-        <p:spPr/>
-        <p:txBody>
-          <a:bodyPr/>
-          <a:lstStyle/>
-          <a:p>
-            <a:r>
-              <a:rPr lang="de-CH" dirty="0" err="1"/>
-              <a:t>Stats</a:t>
-            </a:r>
-            <a:r>
-              <a:rPr lang="de-CH" dirty="0"/>
-              <a:t> Method: MICE</a:t>
-            </a:r>
-          </a:p>
-        </p:txBody>
-      </p:sp>
-      <p:sp>
-        <p:nvSpPr>
-          <p:cNvPr id="3" name="Inhaltsplatzhalter 2">
-            <a:extLst>
-              <a:ext uri="{FF2B5EF4-FFF2-40B4-BE49-F238E27FC236}">
-                <a16:creationId xmlns:a16="http://schemas.microsoft.com/office/drawing/2014/main" id="{8C99F458-6857-0EE1-4EAF-56E6C03C2D69}"/>
-              </a:ext>
-            </a:extLst>
-          </p:cNvPr>
-          <p:cNvSpPr>
-            <a:spLocks noGrp="1"/>
-          </p:cNvSpPr>
-          <p:nvPr>
-            <p:ph idx="1"/>
-          </p:nvPr>
-        </p:nvSpPr>
-        <p:spPr/>
-        <p:txBody>
-          <a:bodyPr/>
-          <a:lstStyle/>
-          <a:p>
-            <a:endParaRPr lang="de-CH"/>
-          </a:p>
-        </p:txBody>
-      </p:sp>
-    </p:spTree>
-    <p:extLst>
-      <p:ext uri="{BB962C8B-B14F-4D97-AF65-F5344CB8AC3E}">
-        <p14:creationId xmlns:p14="http://schemas.microsoft.com/office/powerpoint/2010/main" val="2176049906"/>
       </p:ext>
     </p:extLst>
   </p:cSld>
@@ -6445,7 +6588,214 @@
           <a:bodyPr/>
           <a:lstStyle/>
           <a:p>
-            <a:endParaRPr lang="de-CH"/>
+            <a:r>
+              <a:rPr lang="de-CH" dirty="0" err="1"/>
+              <a:t>Present</a:t>
+            </a:r>
+            <a:r>
+              <a:rPr lang="de-CH" dirty="0"/>
+              <a:t> </a:t>
+            </a:r>
+            <a:r>
+              <a:rPr lang="de-CH" dirty="0" err="1"/>
+              <a:t>the</a:t>
+            </a:r>
+            <a:r>
+              <a:rPr lang="de-CH" dirty="0"/>
+              <a:t> </a:t>
+            </a:r>
+            <a:r>
+              <a:rPr lang="de-CH" dirty="0" err="1"/>
+              <a:t>result</a:t>
+            </a:r>
+            <a:r>
+              <a:rPr lang="de-CH" dirty="0"/>
+              <a:t> </a:t>
+            </a:r>
+            <a:r>
+              <a:rPr lang="de-CH" dirty="0" err="1"/>
+              <a:t>to</a:t>
+            </a:r>
+            <a:r>
+              <a:rPr lang="de-CH" dirty="0"/>
+              <a:t> </a:t>
+            </a:r>
+            <a:r>
+              <a:rPr lang="de-CH" dirty="0" err="1"/>
+              <a:t>the</a:t>
+            </a:r>
+            <a:r>
+              <a:rPr lang="de-CH" dirty="0"/>
+              <a:t> </a:t>
+            </a:r>
+            <a:r>
+              <a:rPr lang="de-CH" dirty="0" err="1"/>
+              <a:t>client</a:t>
+            </a:r>
+            <a:endParaRPr lang="de-CH" dirty="0"/>
+          </a:p>
+          <a:p>
+            <a:pPr lvl="1"/>
+            <a:r>
+              <a:rPr lang="en-GB" noProof="1"/>
+              <a:t>Distinction</a:t>
+            </a:r>
+            <a:r>
+              <a:rPr lang="de-CH" dirty="0"/>
+              <a:t> </a:t>
+            </a:r>
+            <a:r>
+              <a:rPr lang="de-CH" dirty="0" err="1"/>
+              <a:t>between</a:t>
+            </a:r>
+            <a:r>
+              <a:rPr lang="de-CH" dirty="0"/>
+              <a:t> P1 and P8</a:t>
+            </a:r>
+          </a:p>
+          <a:p>
+            <a:pPr lvl="1"/>
+            <a:r>
+              <a:rPr lang="de-CH" dirty="0" err="1"/>
+              <a:t>Weights</a:t>
+            </a:r>
+            <a:r>
+              <a:rPr lang="de-CH" dirty="0"/>
+              <a:t> </a:t>
+            </a:r>
+            <a:r>
+              <a:rPr lang="de-CH" dirty="0" err="1"/>
+              <a:t>of</a:t>
+            </a:r>
+            <a:r>
+              <a:rPr lang="de-CH" dirty="0"/>
+              <a:t> </a:t>
+            </a:r>
+            <a:r>
+              <a:rPr lang="de-CH" dirty="0" err="1"/>
+              <a:t>the</a:t>
+            </a:r>
+            <a:r>
+              <a:rPr lang="de-CH" dirty="0"/>
+              <a:t> </a:t>
+            </a:r>
+            <a:r>
+              <a:rPr lang="de-CH" dirty="0" err="1"/>
+              <a:t>loss</a:t>
+            </a:r>
+            <a:r>
+              <a:rPr lang="de-CH" dirty="0"/>
+              <a:t> </a:t>
+            </a:r>
+            <a:r>
+              <a:rPr lang="de-CH" dirty="0" err="1"/>
+              <a:t>functions</a:t>
+            </a:r>
+            <a:endParaRPr lang="de-CH" dirty="0"/>
+          </a:p>
+          <a:p>
+            <a:pPr lvl="1"/>
+            <a:r>
+              <a:rPr lang="de-CH" dirty="0" err="1"/>
+              <a:t>Why</a:t>
+            </a:r>
+            <a:r>
+              <a:rPr lang="de-CH" dirty="0"/>
+              <a:t> </a:t>
+            </a:r>
+            <a:r>
+              <a:rPr lang="de-CH" dirty="0" err="1"/>
+              <a:t>are</a:t>
+            </a:r>
+            <a:r>
+              <a:rPr lang="de-CH" dirty="0"/>
+              <a:t> </a:t>
+            </a:r>
+            <a:r>
+              <a:rPr lang="de-CH" dirty="0" err="1"/>
+              <a:t>there</a:t>
+            </a:r>
+            <a:r>
+              <a:rPr lang="de-CH" dirty="0"/>
+              <a:t> </a:t>
+            </a:r>
+            <a:r>
+              <a:rPr lang="de-CH" dirty="0" err="1"/>
+              <a:t>duplicates</a:t>
+            </a:r>
+            <a:endParaRPr lang="de-CH" dirty="0"/>
+          </a:p>
+          <a:p>
+            <a:pPr lvl="1"/>
+            <a:endParaRPr lang="de-CH" dirty="0"/>
+          </a:p>
+          <a:p>
+            <a:pPr lvl="1"/>
+            <a:r>
+              <a:rPr lang="de-CH" dirty="0"/>
+              <a:t>Delay </a:t>
+            </a:r>
+            <a:r>
+              <a:rPr lang="de-CH" dirty="0" err="1"/>
+              <a:t>the</a:t>
+            </a:r>
+            <a:r>
+              <a:rPr lang="de-CH" dirty="0"/>
+              <a:t> </a:t>
+            </a:r>
+            <a:r>
+              <a:rPr lang="de-CH" dirty="0" err="1"/>
+              <a:t>removal</a:t>
+            </a:r>
+            <a:r>
+              <a:rPr lang="de-CH" dirty="0"/>
+              <a:t> </a:t>
+            </a:r>
+            <a:r>
+              <a:rPr lang="de-CH" dirty="0" err="1"/>
+              <a:t>of</a:t>
+            </a:r>
+            <a:r>
+              <a:rPr lang="de-CH" dirty="0"/>
+              <a:t> </a:t>
+            </a:r>
+            <a:r>
+              <a:rPr lang="de-CH" dirty="0" err="1"/>
+              <a:t>the</a:t>
+            </a:r>
+            <a:r>
+              <a:rPr lang="de-CH" dirty="0"/>
+              <a:t> </a:t>
+            </a:r>
+            <a:r>
+              <a:rPr lang="de-CH" dirty="0" err="1"/>
+              <a:t>instances</a:t>
+            </a:r>
+            <a:r>
+              <a:rPr lang="de-CH" dirty="0"/>
+              <a:t> </a:t>
+            </a:r>
+            <a:r>
+              <a:rPr lang="de-CH" dirty="0" err="1"/>
+              <a:t>missing</a:t>
+            </a:r>
+            <a:r>
+              <a:rPr lang="de-CH" dirty="0"/>
+              <a:t> sex </a:t>
+            </a:r>
+            <a:r>
+              <a:rPr lang="de-CH" dirty="0" err="1"/>
+              <a:t>genetics</a:t>
+            </a:r>
+            <a:r>
+              <a:rPr lang="de-CH" dirty="0"/>
+              <a:t> </a:t>
+            </a:r>
+            <a:r>
+              <a:rPr lang="de-CH" dirty="0" err="1"/>
+              <a:t>values</a:t>
+            </a:r>
+            <a:endParaRPr lang="de-CH" dirty="0"/>
           </a:p>
         </p:txBody>
       </p:sp>
@@ -6869,6 +7219,62 @@
             <a:endParaRPr lang="de-CH" dirty="0"/>
           </a:p>
           <a:p>
+            <a:pPr lvl="1"/>
+            <a:r>
+              <a:rPr lang="de-CH" dirty="0" err="1"/>
+              <a:t>Studying</a:t>
+            </a:r>
+            <a:r>
+              <a:rPr lang="de-CH" dirty="0"/>
+              <a:t> </a:t>
+            </a:r>
+            <a:r>
+              <a:rPr lang="de-CH" dirty="0" err="1"/>
+              <a:t>the</a:t>
+            </a:r>
+            <a:r>
+              <a:rPr lang="de-CH" dirty="0"/>
+              <a:t> </a:t>
+            </a:r>
+            <a:r>
+              <a:rPr lang="de-CH" dirty="0" err="1"/>
+              <a:t>missingness</a:t>
+            </a:r>
+            <a:r>
+              <a:rPr lang="de-CH" dirty="0"/>
+              <a:t> </a:t>
+            </a:r>
+            <a:r>
+              <a:rPr lang="de-CH" dirty="0" err="1"/>
+              <a:t>pattern</a:t>
+            </a:r>
+            <a:r>
+              <a:rPr lang="de-CH" dirty="0"/>
+              <a:t> </a:t>
+            </a:r>
+            <a:r>
+              <a:rPr lang="de-CH" dirty="0" err="1"/>
+              <a:t>before</a:t>
+            </a:r>
+            <a:r>
+              <a:rPr lang="de-CH" dirty="0"/>
+              <a:t> </a:t>
+            </a:r>
+            <a:r>
+              <a:rPr lang="de-CH" dirty="0" err="1"/>
+              <a:t>the</a:t>
+            </a:r>
+            <a:r>
+              <a:rPr lang="de-CH" dirty="0"/>
+              <a:t> </a:t>
+            </a:r>
+            <a:r>
+              <a:rPr lang="de-CH" dirty="0" err="1"/>
+              <a:t>imputation</a:t>
+            </a:r>
+            <a:endParaRPr lang="de-CH" dirty="0"/>
+          </a:p>
+          <a:p>
             <a:endParaRPr lang="de-CH" dirty="0"/>
           </a:p>
         </p:txBody>
@@ -7159,7 +7565,7 @@
               <a:t> </a:t>
             </a:r>
             <a:r>
-              <a:rPr lang="de-CH" dirty="0" err="1"/>
+              <a:rPr lang="de-CH" b="1" dirty="0" err="1"/>
               <a:t>Decision</a:t>
             </a:r>
             <a:r>
@@ -7286,6 +7692,53 @@
             <a:r>
               <a:rPr lang="de-CH" dirty="0"/>
               <a:t> 93.2%</a:t>
+            </a:r>
+          </a:p>
+          <a:p>
+            <a:pPr lvl="1"/>
+            <a:r>
+              <a:rPr lang="de-CH" dirty="0" err="1"/>
+              <a:t>Our</a:t>
+            </a:r>
+            <a:r>
+              <a:rPr lang="de-CH" dirty="0"/>
+              <a:t> </a:t>
+            </a:r>
+            <a:r>
+              <a:rPr lang="de-CH" dirty="0" err="1"/>
+              <a:t>model</a:t>
+            </a:r>
+            <a:r>
+              <a:rPr lang="de-CH" dirty="0"/>
+              <a:t> </a:t>
+            </a:r>
+            <a:r>
+              <a:rPr lang="de-CH" dirty="0" err="1"/>
+              <a:t>for</a:t>
+            </a:r>
+            <a:r>
+              <a:rPr lang="de-CH" dirty="0"/>
+              <a:t> </a:t>
+            </a:r>
+            <a:r>
+              <a:rPr lang="de-CH" dirty="0" err="1"/>
+              <a:t>this</a:t>
+            </a:r>
+            <a:r>
+              <a:rPr lang="de-CH" dirty="0"/>
+              <a:t> subsample: DT (91.1%) </a:t>
+            </a:r>
+            <a:r>
+              <a:rPr lang="de-CH" dirty="0" err="1"/>
+              <a:t>Logistic</a:t>
+            </a:r>
+            <a:r>
+              <a:rPr lang="de-CH"/>
+              <a:t> Regression </a:t>
+            </a:r>
+            <a:r>
+              <a:rPr lang="de-CH" dirty="0"/>
+              <a:t>(90.1 %)</a:t>
             </a:r>
           </a:p>
           <a:p>
@@ -9028,6 +9481,17 @@
           <a:p>
             <a:r>
               <a:rPr lang="de-CH" dirty="0"/>
+              <a:t>New variable </a:t>
+            </a:r>
+            <a:r>
+              <a:rPr lang="de-CH" dirty="0" err="1"/>
+              <a:t>season</a:t>
+            </a:r>
+            <a:endParaRPr lang="de-CH" dirty="0"/>
+          </a:p>
+          <a:p>
+            <a:r>
+              <a:rPr lang="de-CH" dirty="0"/>
               <a:t>Remove </a:t>
             </a:r>
             <a:r>
@@ -9081,8 +9545,8 @@
         </p:blipFill>
         <p:spPr>
           <a:xfrm>
-            <a:off x="1334610" y="3596731"/>
-            <a:ext cx="6117184" cy="3058592"/>
+            <a:off x="1518081" y="3772803"/>
+            <a:ext cx="5765037" cy="2882519"/>
           </a:xfrm>
           <a:prstGeom prst="rect">
             <a:avLst/>
@@ -9381,7 +9845,7 @@
           <p:cNvPr id="2" name="Titel 1">
             <a:extLst>
               <a:ext uri="{FF2B5EF4-FFF2-40B4-BE49-F238E27FC236}">
-                <a16:creationId xmlns:a16="http://schemas.microsoft.com/office/drawing/2014/main" id="{7349352D-F8F1-A046-2A25-F31A36857ACF}"/>
+                <a16:creationId xmlns:a16="http://schemas.microsoft.com/office/drawing/2014/main" id="{B0B13E2D-F565-3ED2-6F08-3913E60A7023}"/>
               </a:ext>
             </a:extLst>
           </p:cNvPr>
@@ -9398,22 +9862,13 @@
           <a:lstStyle/>
           <a:p>
             <a:r>
-              <a:rPr lang="de-CH" dirty="0"/>
-              <a:t>Model 1: </a:t>
-            </a:r>
-            <a:r>
-              <a:rPr lang="de-CH" dirty="0" err="1"/>
-              <a:t>Decision</a:t>
-            </a:r>
-            <a:r>
-              <a:rPr lang="de-CH" dirty="0"/>
-              <a:t> </a:t>
-            </a:r>
-            <a:r>
-              <a:rPr lang="de-CH" dirty="0" err="1"/>
-              <a:t>Tree</a:t>
-            </a:r>
-            <a:endParaRPr lang="de-CH" dirty="0"/>
+              <a:rPr lang="de-CH" dirty="0" err="1"/>
+              <a:t>ModeL</a:t>
+            </a:r>
+            <a:r>
+              <a:rPr lang="de-CH" dirty="0"/>
+              <a:t> I: Random Forest</a:t>
+            </a:r>
           </a:p>
         </p:txBody>
       </p:sp>
@@ -9422,7 +9877,7 @@
           <p:cNvPr id="3" name="Inhaltsplatzhalter 2">
             <a:extLst>
               <a:ext uri="{FF2B5EF4-FFF2-40B4-BE49-F238E27FC236}">
-                <a16:creationId xmlns:a16="http://schemas.microsoft.com/office/drawing/2014/main" id="{4BFD9015-ADC7-4B99-62DF-CA0F2B77E4CD}"/>
+                <a16:creationId xmlns:a16="http://schemas.microsoft.com/office/drawing/2014/main" id="{1FDC6BE7-A2C3-AD32-3338-AC4885FEB71E}"/>
               </a:ext>
             </a:extLst>
           </p:cNvPr>
@@ -9440,11 +9895,19 @@
           <a:p>
             <a:r>
               <a:rPr lang="de-CH" dirty="0"/>
-              <a:t>Package: </a:t>
-            </a:r>
-            <a:r>
-              <a:rPr lang="de-CH" dirty="0" err="1"/>
-              <a:t>rpart</a:t>
+              <a:t>R </a:t>
+            </a:r>
+            <a:r>
+              <a:rPr lang="de-CH" dirty="0" err="1"/>
+              <a:t>package</a:t>
+            </a:r>
+            <a:r>
+              <a:rPr lang="de-CH" dirty="0"/>
+              <a:t>: </a:t>
+            </a:r>
+            <a:r>
+              <a:rPr lang="de-CH" dirty="0" err="1"/>
+              <a:t>randomForest</a:t>
             </a:r>
             <a:endParaRPr lang="de-CH" dirty="0"/>
           </a:p>
@@ -9474,19 +9937,45 @@
             </a:r>
             <a:r>
               <a:rPr lang="de-CH" b="1" dirty="0"/>
-              <a:t>: </a:t>
-            </a:r>
-            <a:r>
-              <a:rPr lang="en-GB" b="1" dirty="0"/>
-              <a:t>84.7 %</a:t>
+              <a:t>: 84 %</a:t>
             </a:r>
           </a:p>
         </p:txBody>
       </p:sp>
+      <p:pic>
+        <p:nvPicPr>
+          <p:cNvPr id="5" name="Grafik 4">
+            <a:extLst>
+              <a:ext uri="{FF2B5EF4-FFF2-40B4-BE49-F238E27FC236}">
+                <a16:creationId xmlns:a16="http://schemas.microsoft.com/office/drawing/2014/main" id="{9956E214-A44C-C373-AE7D-AB62ABE93D45}"/>
+              </a:ext>
+            </a:extLst>
+          </p:cNvPr>
+          <p:cNvPicPr>
+            <a:picLocks noChangeAspect="1"/>
+          </p:cNvPicPr>
+          <p:nvPr/>
+        </p:nvPicPr>
+        <p:blipFill>
+          <a:blip r:embed="rId2"/>
+          <a:stretch>
+            <a:fillRect/>
+          </a:stretch>
+        </p:blipFill>
+        <p:spPr>
+          <a:xfrm>
+            <a:off x="1004752" y="4840550"/>
+            <a:ext cx="10182494" cy="1018249"/>
+          </a:xfrm>
+          <a:prstGeom prst="rect">
+            <a:avLst/>
+          </a:prstGeom>
+        </p:spPr>
+      </p:pic>
     </p:spTree>
     <p:extLst>
       <p:ext uri="{BB962C8B-B14F-4D97-AF65-F5344CB8AC3E}">
-        <p14:creationId xmlns:p14="http://schemas.microsoft.com/office/powerpoint/2010/main" val="1755144267"/>
+        <p14:creationId xmlns:p14="http://schemas.microsoft.com/office/powerpoint/2010/main" val="1849919930"/>
       </p:ext>
     </p:extLst>
   </p:cSld>
@@ -9799,10 +10288,372 @@
       </p:sp>
       <p:pic>
         <p:nvPicPr>
+          <p:cNvPr id="5" name="Inhaltsplatzhalter 4" descr="Ein Bild, das Diagramm, Tisch enthält.&#10;&#10;Automatisch generierte Beschreibung">
+            <a:extLst>
+              <a:ext uri="{FF2B5EF4-FFF2-40B4-BE49-F238E27FC236}">
+                <a16:creationId xmlns:a16="http://schemas.microsoft.com/office/drawing/2014/main" id="{59A52622-84CE-18F5-CE17-874FF14B29E8}"/>
+              </a:ext>
+            </a:extLst>
+          </p:cNvPr>
+          <p:cNvPicPr>
+            <a:picLocks noGrp="1" noChangeAspect="1"/>
+          </p:cNvPicPr>
+          <p:nvPr>
+            <p:ph idx="1"/>
+          </p:nvPr>
+        </p:nvPicPr>
+        <p:blipFill>
+          <a:blip r:embed="rId2">
+            <a:extLst>
+              <a:ext uri="{28A0092B-C50C-407E-A947-70E740481C1C}">
+                <a14:useLocalDpi xmlns:a14="http://schemas.microsoft.com/office/drawing/2010/main" val="0"/>
+              </a:ext>
+            </a:extLst>
+          </a:blip>
+          <a:stretch>
+            <a:fillRect/>
+          </a:stretch>
+        </p:blipFill>
+        <p:spPr>
+          <a:xfrm>
+            <a:off x="771440" y="1437325"/>
+            <a:ext cx="6834511" cy="4251066"/>
+          </a:xfrm>
+          <a:prstGeom prst="rect">
+            <a:avLst/>
+          </a:prstGeom>
+        </p:spPr>
+      </p:pic>
+      <p:sp>
+        <p:nvSpPr>
+          <p:cNvPr id="20" name="Rectangle 19">
+            <a:extLst>
+              <a:ext uri="{FF2B5EF4-FFF2-40B4-BE49-F238E27FC236}">
+                <a16:creationId xmlns:a16="http://schemas.microsoft.com/office/drawing/2014/main" id="{ADF52CCA-FCDD-49A0-BFFC-3BD41F1B827A}"/>
+              </a:ext>
+              <a:ext uri="{C183D7F6-B498-43B3-948B-1728B52AA6E4}">
+                <adec:decorative xmlns:adec="http://schemas.microsoft.com/office/drawing/2017/decorative" val="1"/>
+              </a:ext>
+            </a:extLst>
+          </p:cNvPr>
+          <p:cNvSpPr>
+            <a:spLocks noGrp="1" noRot="1" noChangeAspect="1" noMove="1" noResize="1" noEditPoints="1" noAdjustHandles="1" noChangeArrowheads="1" noChangeShapeType="1" noTextEdit="1"/>
+          </p:cNvSpPr>
+          <p:nvPr>
+            <p:extLst>
+              <p:ext uri="{386F3935-93C4-4BCD-93E2-E3B085C9AB24}">
+                <p16:designElem xmlns:p16="http://schemas.microsoft.com/office/powerpoint/2015/main" val="1"/>
+              </p:ext>
+            </p:extLst>
+          </p:nvPr>
+        </p:nvSpPr>
+        <p:spPr>
+          <a:xfrm>
+            <a:off x="8042147" y="723899"/>
+            <a:ext cx="3703320" cy="5666666"/>
+          </a:xfrm>
+          <a:prstGeom prst="rect">
+            <a:avLst/>
+          </a:prstGeom>
+          <a:solidFill>
+            <a:schemeClr val="accent1"/>
+          </a:solidFill>
+          <a:ln>
+            <a:noFill/>
+          </a:ln>
+          <a:effectLst/>
+        </p:spPr>
+        <p:style>
+          <a:lnRef idx="1">
+            <a:schemeClr val="accent1"/>
+          </a:lnRef>
+          <a:fillRef idx="3">
+            <a:schemeClr val="accent1"/>
+          </a:fillRef>
+          <a:effectRef idx="2">
+            <a:schemeClr val="accent1"/>
+          </a:effectRef>
+          <a:fontRef idx="minor">
+            <a:schemeClr val="lt1"/>
+          </a:fontRef>
+        </p:style>
+      </p:sp>
+      <p:sp>
+        <p:nvSpPr>
+          <p:cNvPr id="2" name="Titel 1">
+            <a:extLst>
+              <a:ext uri="{FF2B5EF4-FFF2-40B4-BE49-F238E27FC236}">
+                <a16:creationId xmlns:a16="http://schemas.microsoft.com/office/drawing/2014/main" id="{ED4AAAB0-378A-F6BB-2C3D-C1D0BDFB4A49}"/>
+              </a:ext>
+            </a:extLst>
+          </p:cNvPr>
+          <p:cNvSpPr>
+            <a:spLocks noGrp="1"/>
+          </p:cNvSpPr>
+          <p:nvPr>
+            <p:ph type="title"/>
+          </p:nvPr>
+        </p:nvSpPr>
+        <p:spPr>
+          <a:xfrm>
+            <a:off x="8296275" y="1419225"/>
+            <a:ext cx="3081576" cy="2085869"/>
+          </a:xfrm>
+        </p:spPr>
+        <p:txBody>
+          <a:bodyPr vert="horz" lIns="91440" tIns="45720" rIns="91440" bIns="45720" rtlCol="0" anchor="b">
+            <a:normAutofit/>
+          </a:bodyPr>
+          <a:lstStyle/>
+          <a:p>
+            <a:r>
+              <a:rPr lang="en-US" sz="3600">
+                <a:solidFill>
+                  <a:srgbClr val="FFFFFF"/>
+                </a:solidFill>
+              </a:rPr>
+              <a:t>Importance of Variables</a:t>
+            </a:r>
+          </a:p>
+        </p:txBody>
+      </p:sp>
+      <p:sp>
+        <p:nvSpPr>
+          <p:cNvPr id="3" name="Rechteck 2">
+            <a:extLst>
+              <a:ext uri="{FF2B5EF4-FFF2-40B4-BE49-F238E27FC236}">
+                <a16:creationId xmlns:a16="http://schemas.microsoft.com/office/drawing/2014/main" id="{50F44799-5938-B48D-48F8-F07BD13745D1}"/>
+              </a:ext>
+            </a:extLst>
+          </p:cNvPr>
+          <p:cNvSpPr/>
+          <p:nvPr/>
+        </p:nvSpPr>
+        <p:spPr>
+          <a:xfrm>
+            <a:off x="446533" y="2383590"/>
+            <a:ext cx="7377714" cy="612639"/>
+          </a:xfrm>
+          <a:prstGeom prst="rect">
+            <a:avLst/>
+          </a:prstGeom>
+          <a:noFill/>
+          <a:ln>
+            <a:solidFill>
+              <a:srgbClr val="FF0000"/>
+            </a:solidFill>
+          </a:ln>
+        </p:spPr>
+        <p:style>
+          <a:lnRef idx="2">
+            <a:schemeClr val="accent1">
+              <a:shade val="50000"/>
+            </a:schemeClr>
+          </a:lnRef>
+          <a:fillRef idx="1">
+            <a:schemeClr val="accent1"/>
+          </a:fillRef>
+          <a:effectRef idx="0">
+            <a:schemeClr val="accent1"/>
+          </a:effectRef>
+          <a:fontRef idx="minor">
+            <a:schemeClr val="lt1"/>
+          </a:fontRef>
+        </p:style>
+        <p:txBody>
+          <a:bodyPr rtlCol="0" anchor="ctr"/>
+          <a:lstStyle/>
+          <a:p>
+            <a:pPr algn="ctr"/>
+            <a:endParaRPr lang="de-CH"/>
+          </a:p>
+        </p:txBody>
+      </p:sp>
+    </p:spTree>
+    <p:extLst>
+      <p:ext uri="{BB962C8B-B14F-4D97-AF65-F5344CB8AC3E}">
+        <p14:creationId xmlns:p14="http://schemas.microsoft.com/office/powerpoint/2010/main" val="1696039842"/>
+      </p:ext>
+    </p:extLst>
+  </p:cSld>
+  <p:clrMapOvr>
+    <a:masterClrMapping/>
+  </p:clrMapOvr>
+</p:sld>
+</file>
+
+<file path=ppt/slides/slide9.xml><?xml version="1.0" encoding="utf-8"?>
+<p:sld xmlns:a="http://schemas.openxmlformats.org/drawingml/2006/main" xmlns:r="http://schemas.openxmlformats.org/officeDocument/2006/relationships" xmlns:p="http://schemas.openxmlformats.org/presentationml/2006/main">
+  <p:cSld>
+    <p:bg>
+      <p:bgPr>
+        <a:solidFill>
+          <a:schemeClr val="bg1"/>
+        </a:solidFill>
+        <a:effectLst/>
+      </p:bgPr>
+    </p:bg>
+    <p:spTree>
+      <p:nvGrpSpPr>
+        <p:cNvPr id="1" name=""/>
+        <p:cNvGrpSpPr/>
+        <p:nvPr/>
+      </p:nvGrpSpPr>
+      <p:grpSpPr>
+        <a:xfrm>
+          <a:off x="0" y="0"/>
+          <a:ext cx="0" cy="0"/>
+          <a:chOff x="0" y="0"/>
+          <a:chExt cx="0" cy="0"/>
+        </a:xfrm>
+      </p:grpSpPr>
+      <p:sp>
+        <p:nvSpPr>
+          <p:cNvPr id="2" name="Titel 1">
+            <a:extLst>
+              <a:ext uri="{FF2B5EF4-FFF2-40B4-BE49-F238E27FC236}">
+                <a16:creationId xmlns:a16="http://schemas.microsoft.com/office/drawing/2014/main" id="{7349352D-F8F1-A046-2A25-F31A36857ACF}"/>
+              </a:ext>
+            </a:extLst>
+          </p:cNvPr>
+          <p:cNvSpPr>
+            <a:spLocks noGrp="1"/>
+          </p:cNvSpPr>
+          <p:nvPr>
+            <p:ph type="title"/>
+          </p:nvPr>
+        </p:nvSpPr>
+        <p:spPr>
+          <a:xfrm>
+            <a:off x="581192" y="702156"/>
+            <a:ext cx="11029616" cy="1013800"/>
+          </a:xfrm>
+        </p:spPr>
+        <p:txBody>
+          <a:bodyPr>
+            <a:normAutofit/>
+          </a:bodyPr>
+          <a:lstStyle/>
+          <a:p>
+            <a:r>
+              <a:rPr lang="de-CH" dirty="0">
+                <a:solidFill>
+                  <a:srgbClr val="FFFFFF"/>
+                </a:solidFill>
+              </a:rPr>
+              <a:t>Model 1I: </a:t>
+            </a:r>
+            <a:r>
+              <a:rPr lang="de-CH" dirty="0" err="1">
+                <a:solidFill>
+                  <a:srgbClr val="FFFFFF"/>
+                </a:solidFill>
+              </a:rPr>
+              <a:t>Decision</a:t>
+            </a:r>
+            <a:r>
+              <a:rPr lang="de-CH" dirty="0">
+                <a:solidFill>
+                  <a:srgbClr val="FFFFFF"/>
+                </a:solidFill>
+              </a:rPr>
+              <a:t> </a:t>
+            </a:r>
+            <a:r>
+              <a:rPr lang="de-CH" dirty="0" err="1">
+                <a:solidFill>
+                  <a:srgbClr val="FFFFFF"/>
+                </a:solidFill>
+              </a:rPr>
+              <a:t>Tree</a:t>
+            </a:r>
+            <a:endParaRPr lang="de-CH" dirty="0">
+              <a:solidFill>
+                <a:srgbClr val="FFFFFF"/>
+              </a:solidFill>
+            </a:endParaRPr>
+          </a:p>
+        </p:txBody>
+      </p:sp>
+      <p:sp>
+        <p:nvSpPr>
+          <p:cNvPr id="3" name="Inhaltsplatzhalter 2">
+            <a:extLst>
+              <a:ext uri="{FF2B5EF4-FFF2-40B4-BE49-F238E27FC236}">
+                <a16:creationId xmlns:a16="http://schemas.microsoft.com/office/drawing/2014/main" id="{4BFD9015-ADC7-4B99-62DF-CA0F2B77E4CD}"/>
+              </a:ext>
+            </a:extLst>
+          </p:cNvPr>
+          <p:cNvSpPr>
+            <a:spLocks noGrp="1"/>
+          </p:cNvSpPr>
+          <p:nvPr>
+            <p:ph idx="1"/>
+          </p:nvPr>
+        </p:nvSpPr>
+        <p:spPr>
+          <a:xfrm>
+            <a:off x="581193" y="1957750"/>
+            <a:ext cx="11029614" cy="2121026"/>
+          </a:xfrm>
+        </p:spPr>
+        <p:txBody>
+          <a:bodyPr>
+            <a:normAutofit/>
+          </a:bodyPr>
+          <a:lstStyle/>
+          <a:p>
+            <a:r>
+              <a:rPr lang="de-CH" dirty="0"/>
+              <a:t>Package: </a:t>
+            </a:r>
+            <a:r>
+              <a:rPr lang="de-CH" dirty="0" err="1"/>
+              <a:t>rpart</a:t>
+            </a:r>
+            <a:endParaRPr lang="de-CH" dirty="0"/>
+          </a:p>
+          <a:p>
+            <a:r>
+              <a:rPr lang="de-CH" dirty="0"/>
+              <a:t>Can handle </a:t>
+            </a:r>
+            <a:r>
+              <a:rPr lang="de-CH" dirty="0" err="1"/>
+              <a:t>missing</a:t>
+            </a:r>
+            <a:r>
+              <a:rPr lang="de-CH" dirty="0"/>
+              <a:t> </a:t>
+            </a:r>
+            <a:r>
+              <a:rPr lang="de-CH" dirty="0" err="1"/>
+              <a:t>values</a:t>
+            </a:r>
+            <a:endParaRPr lang="de-CH" dirty="0"/>
+          </a:p>
+          <a:p>
+            <a:r>
+              <a:rPr lang="de-CH" b="1" dirty="0" err="1"/>
+              <a:t>Accuracy</a:t>
+            </a:r>
+            <a:r>
+              <a:rPr lang="de-CH" b="1" dirty="0"/>
+              <a:t>: </a:t>
+            </a:r>
+            <a:r>
+              <a:rPr lang="en-GB" b="1" dirty="0"/>
+              <a:t>84.7 %</a:t>
+            </a:r>
+          </a:p>
+        </p:txBody>
+      </p:sp>
+      <p:pic>
+        <p:nvPicPr>
           <p:cNvPr id="5" name="Grafik 4">
             <a:extLst>
               <a:ext uri="{FF2B5EF4-FFF2-40B4-BE49-F238E27FC236}">
-                <a16:creationId xmlns:a16="http://schemas.microsoft.com/office/drawing/2014/main" id="{FEA9B298-10FF-5375-3B3D-609815F93C0C}"/>
+                <a16:creationId xmlns:a16="http://schemas.microsoft.com/office/drawing/2014/main" id="{3130FF07-8FAF-F584-D6B2-0BCE17626083}"/>
               </a:ext>
             </a:extLst>
           </p:cNvPr>
@@ -9819,243 +10670,18 @@
         </p:blipFill>
         <p:spPr>
           <a:xfrm>
-            <a:off x="771440" y="1307469"/>
-            <a:ext cx="6834511" cy="4510777"/>
+            <a:off x="428626" y="4239642"/>
+            <a:ext cx="11316842" cy="848763"/>
           </a:xfrm>
           <a:prstGeom prst="rect">
             <a:avLst/>
           </a:prstGeom>
         </p:spPr>
       </p:pic>
-      <p:sp>
-        <p:nvSpPr>
-          <p:cNvPr id="20" name="Rectangle 19">
-            <a:extLst>
-              <a:ext uri="{FF2B5EF4-FFF2-40B4-BE49-F238E27FC236}">
-                <a16:creationId xmlns:a16="http://schemas.microsoft.com/office/drawing/2014/main" id="{ADF52CCA-FCDD-49A0-BFFC-3BD41F1B827A}"/>
-              </a:ext>
-              <a:ext uri="{C183D7F6-B498-43B3-948B-1728B52AA6E4}">
-                <adec:decorative xmlns:adec="http://schemas.microsoft.com/office/drawing/2017/decorative" val="1"/>
-              </a:ext>
-            </a:extLst>
-          </p:cNvPr>
-          <p:cNvSpPr>
-            <a:spLocks noGrp="1" noRot="1" noChangeAspect="1" noMove="1" noResize="1" noEditPoints="1" noAdjustHandles="1" noChangeArrowheads="1" noChangeShapeType="1" noTextEdit="1"/>
-          </p:cNvSpPr>
-          <p:nvPr>
-            <p:extLst>
-              <p:ext uri="{386F3935-93C4-4BCD-93E2-E3B085C9AB24}">
-                <p16:designElem xmlns:p16="http://schemas.microsoft.com/office/powerpoint/2015/main" val="1"/>
-              </p:ext>
-            </p:extLst>
-          </p:nvPr>
-        </p:nvSpPr>
-        <p:spPr>
-          <a:xfrm>
-            <a:off x="8042147" y="723899"/>
-            <a:ext cx="3703320" cy="5666666"/>
-          </a:xfrm>
-          <a:prstGeom prst="rect">
-            <a:avLst/>
-          </a:prstGeom>
-          <a:solidFill>
-            <a:schemeClr val="accent1"/>
-          </a:solidFill>
-          <a:ln>
-            <a:noFill/>
-          </a:ln>
-          <a:effectLst/>
-        </p:spPr>
-        <p:style>
-          <a:lnRef idx="1">
-            <a:schemeClr val="accent1"/>
-          </a:lnRef>
-          <a:fillRef idx="3">
-            <a:schemeClr val="accent1"/>
-          </a:fillRef>
-          <a:effectRef idx="2">
-            <a:schemeClr val="accent1"/>
-          </a:effectRef>
-          <a:fontRef idx="minor">
-            <a:schemeClr val="lt1"/>
-          </a:fontRef>
-        </p:style>
-      </p:sp>
-      <p:sp>
-        <p:nvSpPr>
-          <p:cNvPr id="2" name="Titel 1">
-            <a:extLst>
-              <a:ext uri="{FF2B5EF4-FFF2-40B4-BE49-F238E27FC236}">
-                <a16:creationId xmlns:a16="http://schemas.microsoft.com/office/drawing/2014/main" id="{8E460B05-9229-0594-D342-638E3BF2D471}"/>
-              </a:ext>
-            </a:extLst>
-          </p:cNvPr>
-          <p:cNvSpPr>
-            <a:spLocks noGrp="1"/>
-          </p:cNvSpPr>
-          <p:nvPr>
-            <p:ph type="title"/>
-          </p:nvPr>
-        </p:nvSpPr>
-        <p:spPr>
-          <a:xfrm>
-            <a:off x="8296275" y="1419225"/>
-            <a:ext cx="3081576" cy="2085869"/>
-          </a:xfrm>
-        </p:spPr>
-        <p:txBody>
-          <a:bodyPr vert="horz" lIns="91440" tIns="45720" rIns="91440" bIns="45720" rtlCol="0" anchor="b">
-            <a:normAutofit/>
-          </a:bodyPr>
-          <a:lstStyle/>
-          <a:p>
-            <a:r>
-              <a:rPr lang="en-US" sz="3600" dirty="0">
-                <a:solidFill>
-                  <a:srgbClr val="FFFFFF"/>
-                </a:solidFill>
-              </a:rPr>
-              <a:t>Tree</a:t>
-            </a:r>
-          </a:p>
-        </p:txBody>
-      </p:sp>
     </p:spTree>
     <p:extLst>
       <p:ext uri="{BB962C8B-B14F-4D97-AF65-F5344CB8AC3E}">
-        <p14:creationId xmlns:p14="http://schemas.microsoft.com/office/powerpoint/2010/main" val="3054612757"/>
-      </p:ext>
-    </p:extLst>
-  </p:cSld>
-  <p:clrMapOvr>
-    <a:masterClrMapping/>
-  </p:clrMapOvr>
-</p:sld>
-</file>
-
-<file path=ppt/slides/slide9.xml><?xml version="1.0" encoding="utf-8"?>
-<p:sld xmlns:a="http://schemas.openxmlformats.org/drawingml/2006/main" xmlns:r="http://schemas.openxmlformats.org/officeDocument/2006/relationships" xmlns:p="http://schemas.openxmlformats.org/presentationml/2006/main">
-  <p:cSld>
-    <p:spTree>
-      <p:nvGrpSpPr>
-        <p:cNvPr id="1" name=""/>
-        <p:cNvGrpSpPr/>
-        <p:nvPr/>
-      </p:nvGrpSpPr>
-      <p:grpSpPr>
-        <a:xfrm>
-          <a:off x="0" y="0"/>
-          <a:ext cx="0" cy="0"/>
-          <a:chOff x="0" y="0"/>
-          <a:chExt cx="0" cy="0"/>
-        </a:xfrm>
-      </p:grpSpPr>
-      <p:sp>
-        <p:nvSpPr>
-          <p:cNvPr id="2" name="Titel 1">
-            <a:extLst>
-              <a:ext uri="{FF2B5EF4-FFF2-40B4-BE49-F238E27FC236}">
-                <a16:creationId xmlns:a16="http://schemas.microsoft.com/office/drawing/2014/main" id="{B0B13E2D-F565-3ED2-6F08-3913E60A7023}"/>
-              </a:ext>
-            </a:extLst>
-          </p:cNvPr>
-          <p:cNvSpPr>
-            <a:spLocks noGrp="1"/>
-          </p:cNvSpPr>
-          <p:nvPr>
-            <p:ph type="title"/>
-          </p:nvPr>
-        </p:nvSpPr>
-        <p:spPr/>
-        <p:txBody>
-          <a:bodyPr/>
-          <a:lstStyle/>
-          <a:p>
-            <a:r>
-              <a:rPr lang="de-CH" dirty="0" err="1"/>
-              <a:t>ModeL</a:t>
-            </a:r>
-            <a:r>
-              <a:rPr lang="de-CH" dirty="0"/>
-              <a:t> II: Random Forest</a:t>
-            </a:r>
-          </a:p>
-        </p:txBody>
-      </p:sp>
-      <p:sp>
-        <p:nvSpPr>
-          <p:cNvPr id="3" name="Inhaltsplatzhalter 2">
-            <a:extLst>
-              <a:ext uri="{FF2B5EF4-FFF2-40B4-BE49-F238E27FC236}">
-                <a16:creationId xmlns:a16="http://schemas.microsoft.com/office/drawing/2014/main" id="{1FDC6BE7-A2C3-AD32-3338-AC4885FEB71E}"/>
-              </a:ext>
-            </a:extLst>
-          </p:cNvPr>
-          <p:cNvSpPr>
-            <a:spLocks noGrp="1"/>
-          </p:cNvSpPr>
-          <p:nvPr>
-            <p:ph idx="1"/>
-          </p:nvPr>
-        </p:nvSpPr>
-        <p:spPr/>
-        <p:txBody>
-          <a:bodyPr/>
-          <a:lstStyle/>
-          <a:p>
-            <a:r>
-              <a:rPr lang="de-CH" dirty="0"/>
-              <a:t>R </a:t>
-            </a:r>
-            <a:r>
-              <a:rPr lang="de-CH" dirty="0" err="1"/>
-              <a:t>package</a:t>
-            </a:r>
-            <a:r>
-              <a:rPr lang="de-CH" dirty="0"/>
-              <a:t>: </a:t>
-            </a:r>
-            <a:r>
-              <a:rPr lang="de-CH" dirty="0" err="1"/>
-              <a:t>randomForest</a:t>
-            </a:r>
-            <a:endParaRPr lang="de-CH" dirty="0"/>
-          </a:p>
-          <a:p>
-            <a:r>
-              <a:rPr lang="de-CH" dirty="0"/>
-              <a:t>Can handle </a:t>
-            </a:r>
-            <a:r>
-              <a:rPr lang="de-CH" dirty="0" err="1"/>
-              <a:t>missing</a:t>
-            </a:r>
-            <a:r>
-              <a:rPr lang="de-CH" dirty="0"/>
-              <a:t> </a:t>
-            </a:r>
-            <a:r>
-              <a:rPr lang="de-CH" dirty="0" err="1"/>
-              <a:t>values</a:t>
-            </a:r>
-            <a:endParaRPr lang="de-CH" dirty="0"/>
-          </a:p>
-          <a:p>
-            <a:r>
-              <a:rPr lang="de-CH" b="1" dirty="0" err="1"/>
-              <a:t>Accuracy</a:t>
-            </a:r>
-            <a:r>
-              <a:rPr lang="de-CH" b="1" dirty="0"/>
-              <a:t>: 84 %</a:t>
-            </a:r>
-          </a:p>
-        </p:txBody>
-      </p:sp>
-    </p:spTree>
-    <p:extLst>
-      <p:ext uri="{BB962C8B-B14F-4D97-AF65-F5344CB8AC3E}">
-        <p14:creationId xmlns:p14="http://schemas.microsoft.com/office/powerpoint/2010/main" val="1849919930"/>
+        <p14:creationId xmlns:p14="http://schemas.microsoft.com/office/powerpoint/2010/main" val="1755144267"/>
       </p:ext>
     </p:extLst>
   </p:cSld>
